--- a/eliteteam.pptx
+++ b/eliteteam.pptx
@@ -5444,367 +5444,6 @@
   <p:clrMapOvr>
     <a:masterClrMapping/>
   </p:clrMapOvr>
-  <mc:AlternateContent xmlns:mc="http://schemas.openxmlformats.org/markup-compatibility/2006">
-    <mc:Choice xmlns:p14="http://schemas.microsoft.com/office/powerpoint/2010/main" Requires="p14">
-      <p:transition spd="med" p14:dur="700">
-        <p:fade/>
-      </p:transition>
-    </mc:Choice>
-    <mc:Fallback>
-      <p:transition spd="med">
-        <p:fade/>
-      </p:transition>
-    </mc:Fallback>
-  </mc:AlternateContent>
-  <p:timing>
-    <p:tnLst>
-      <p:par>
-        <p:cTn id="1" dur="indefinite" restart="never" nodeType="tmRoot">
-          <p:childTnLst>
-            <p:seq concurrent="1" nextAc="seek">
-              <p:cTn id="2" dur="indefinite" nodeType="mainSeq">
-                <p:childTnLst>
-                  <p:par>
-                    <p:cTn id="3" fill="hold">
-                      <p:stCondLst>
-                        <p:cond delay="indefinite"/>
-                      </p:stCondLst>
-                      <p:childTnLst>
-                        <p:par>
-                          <p:cTn id="4" fill="hold">
-                            <p:stCondLst>
-                              <p:cond delay="0"/>
-                            </p:stCondLst>
-                            <p:childTnLst>
-                              <p:par>
-                                <p:cTn id="5" presetID="10" presetClass="entr" presetSubtype="0" fill="hold" nodeType="clickEffect">
-                                  <p:stCondLst>
-                                    <p:cond delay="0"/>
-                                  </p:stCondLst>
-                                  <p:childTnLst>
-                                    <p:set>
-                                      <p:cBhvr>
-                                        <p:cTn id="6" dur="1" fill="hold">
-                                          <p:stCondLst>
-                                            <p:cond delay="0"/>
-                                          </p:stCondLst>
-                                        </p:cTn>
-                                        <p:tgtEl>
-                                          <p:spTgt spid="3">
-                                            <p:txEl>
-                                              <p:pRg st="0" end="0"/>
-                                            </p:txEl>
-                                          </p:spTgt>
-                                        </p:tgtEl>
-                                        <p:attrNameLst>
-                                          <p:attrName>style.visibility</p:attrName>
-                                        </p:attrNameLst>
-                                      </p:cBhvr>
-                                      <p:to>
-                                        <p:strVal val="visible"/>
-                                      </p:to>
-                                    </p:set>
-                                    <p:animEffect transition="in" filter="fade">
-                                      <p:cBhvr>
-                                        <p:cTn id="7" dur="500"/>
-                                        <p:tgtEl>
-                                          <p:spTgt spid="3">
-                                            <p:txEl>
-                                              <p:pRg st="0" end="0"/>
-                                            </p:txEl>
-                                          </p:spTgt>
-                                        </p:tgtEl>
-                                      </p:cBhvr>
-                                    </p:animEffect>
-                                  </p:childTnLst>
-                                </p:cTn>
-                              </p:par>
-                              <p:par>
-                                <p:cTn id="8" presetID="10" presetClass="entr" presetSubtype="0" fill="hold" nodeType="withEffect">
-                                  <p:stCondLst>
-                                    <p:cond delay="0"/>
-                                  </p:stCondLst>
-                                  <p:childTnLst>
-                                    <p:set>
-                                      <p:cBhvr>
-                                        <p:cTn id="9" dur="1" fill="hold">
-                                          <p:stCondLst>
-                                            <p:cond delay="0"/>
-                                          </p:stCondLst>
-                                        </p:cTn>
-                                        <p:tgtEl>
-                                          <p:spTgt spid="3">
-                                            <p:txEl>
-                                              <p:pRg st="1" end="1"/>
-                                            </p:txEl>
-                                          </p:spTgt>
-                                        </p:tgtEl>
-                                        <p:attrNameLst>
-                                          <p:attrName>style.visibility</p:attrName>
-                                        </p:attrNameLst>
-                                      </p:cBhvr>
-                                      <p:to>
-                                        <p:strVal val="visible"/>
-                                      </p:to>
-                                    </p:set>
-                                    <p:animEffect transition="in" filter="fade">
-                                      <p:cBhvr>
-                                        <p:cTn id="10" dur="500"/>
-                                        <p:tgtEl>
-                                          <p:spTgt spid="3">
-                                            <p:txEl>
-                                              <p:pRg st="1" end="1"/>
-                                            </p:txEl>
-                                          </p:spTgt>
-                                        </p:tgtEl>
-                                      </p:cBhvr>
-                                    </p:animEffect>
-                                  </p:childTnLst>
-                                </p:cTn>
-                              </p:par>
-                              <p:par>
-                                <p:cTn id="11" presetID="10" presetClass="entr" presetSubtype="0" fill="hold" nodeType="withEffect">
-                                  <p:stCondLst>
-                                    <p:cond delay="0"/>
-                                  </p:stCondLst>
-                                  <p:childTnLst>
-                                    <p:set>
-                                      <p:cBhvr>
-                                        <p:cTn id="12" dur="1" fill="hold">
-                                          <p:stCondLst>
-                                            <p:cond delay="0"/>
-                                          </p:stCondLst>
-                                        </p:cTn>
-                                        <p:tgtEl>
-                                          <p:spTgt spid="3">
-                                            <p:txEl>
-                                              <p:pRg st="2" end="2"/>
-                                            </p:txEl>
-                                          </p:spTgt>
-                                        </p:tgtEl>
-                                        <p:attrNameLst>
-                                          <p:attrName>style.visibility</p:attrName>
-                                        </p:attrNameLst>
-                                      </p:cBhvr>
-                                      <p:to>
-                                        <p:strVal val="visible"/>
-                                      </p:to>
-                                    </p:set>
-                                    <p:animEffect transition="in" filter="fade">
-                                      <p:cBhvr>
-                                        <p:cTn id="13" dur="500"/>
-                                        <p:tgtEl>
-                                          <p:spTgt spid="3">
-                                            <p:txEl>
-                                              <p:pRg st="2" end="2"/>
-                                            </p:txEl>
-                                          </p:spTgt>
-                                        </p:tgtEl>
-                                      </p:cBhvr>
-                                    </p:animEffect>
-                                  </p:childTnLst>
-                                </p:cTn>
-                              </p:par>
-                              <p:par>
-                                <p:cTn id="14" presetID="10" presetClass="entr" presetSubtype="0" fill="hold" nodeType="withEffect">
-                                  <p:stCondLst>
-                                    <p:cond delay="0"/>
-                                  </p:stCondLst>
-                                  <p:childTnLst>
-                                    <p:set>
-                                      <p:cBhvr>
-                                        <p:cTn id="15" dur="1" fill="hold">
-                                          <p:stCondLst>
-                                            <p:cond delay="0"/>
-                                          </p:stCondLst>
-                                        </p:cTn>
-                                        <p:tgtEl>
-                                          <p:spTgt spid="3">
-                                            <p:txEl>
-                                              <p:pRg st="3" end="3"/>
-                                            </p:txEl>
-                                          </p:spTgt>
-                                        </p:tgtEl>
-                                        <p:attrNameLst>
-                                          <p:attrName>style.visibility</p:attrName>
-                                        </p:attrNameLst>
-                                      </p:cBhvr>
-                                      <p:to>
-                                        <p:strVal val="visible"/>
-                                      </p:to>
-                                    </p:set>
-                                    <p:animEffect transition="in" filter="fade">
-                                      <p:cBhvr>
-                                        <p:cTn id="16" dur="500"/>
-                                        <p:tgtEl>
-                                          <p:spTgt spid="3">
-                                            <p:txEl>
-                                              <p:pRg st="3" end="3"/>
-                                            </p:txEl>
-                                          </p:spTgt>
-                                        </p:tgtEl>
-                                      </p:cBhvr>
-                                    </p:animEffect>
-                                  </p:childTnLst>
-                                </p:cTn>
-                              </p:par>
-                              <p:par>
-                                <p:cTn id="17" presetID="10" presetClass="entr" presetSubtype="0" fill="hold" nodeType="withEffect">
-                                  <p:stCondLst>
-                                    <p:cond delay="0"/>
-                                  </p:stCondLst>
-                                  <p:childTnLst>
-                                    <p:set>
-                                      <p:cBhvr>
-                                        <p:cTn id="18" dur="1" fill="hold">
-                                          <p:stCondLst>
-                                            <p:cond delay="0"/>
-                                          </p:stCondLst>
-                                        </p:cTn>
-                                        <p:tgtEl>
-                                          <p:spTgt spid="3">
-                                            <p:txEl>
-                                              <p:pRg st="4" end="4"/>
-                                            </p:txEl>
-                                          </p:spTgt>
-                                        </p:tgtEl>
-                                        <p:attrNameLst>
-                                          <p:attrName>style.visibility</p:attrName>
-                                        </p:attrNameLst>
-                                      </p:cBhvr>
-                                      <p:to>
-                                        <p:strVal val="visible"/>
-                                      </p:to>
-                                    </p:set>
-                                    <p:animEffect transition="in" filter="fade">
-                                      <p:cBhvr>
-                                        <p:cTn id="19" dur="500"/>
-                                        <p:tgtEl>
-                                          <p:spTgt spid="3">
-                                            <p:txEl>
-                                              <p:pRg st="4" end="4"/>
-                                            </p:txEl>
-                                          </p:spTgt>
-                                        </p:tgtEl>
-                                      </p:cBhvr>
-                                    </p:animEffect>
-                                  </p:childTnLst>
-                                </p:cTn>
-                              </p:par>
-                              <p:par>
-                                <p:cTn id="20" presetID="10" presetClass="entr" presetSubtype="0" fill="hold" nodeType="withEffect">
-                                  <p:stCondLst>
-                                    <p:cond delay="0"/>
-                                  </p:stCondLst>
-                                  <p:childTnLst>
-                                    <p:set>
-                                      <p:cBhvr>
-                                        <p:cTn id="21" dur="1" fill="hold">
-                                          <p:stCondLst>
-                                            <p:cond delay="0"/>
-                                          </p:stCondLst>
-                                        </p:cTn>
-                                        <p:tgtEl>
-                                          <p:spTgt spid="3">
-                                            <p:txEl>
-                                              <p:pRg st="5" end="5"/>
-                                            </p:txEl>
-                                          </p:spTgt>
-                                        </p:tgtEl>
-                                        <p:attrNameLst>
-                                          <p:attrName>style.visibility</p:attrName>
-                                        </p:attrNameLst>
-                                      </p:cBhvr>
-                                      <p:to>
-                                        <p:strVal val="visible"/>
-                                      </p:to>
-                                    </p:set>
-                                    <p:animEffect transition="in" filter="fade">
-                                      <p:cBhvr>
-                                        <p:cTn id="22" dur="500"/>
-                                        <p:tgtEl>
-                                          <p:spTgt spid="3">
-                                            <p:txEl>
-                                              <p:pRg st="5" end="5"/>
-                                            </p:txEl>
-                                          </p:spTgt>
-                                        </p:tgtEl>
-                                      </p:cBhvr>
-                                    </p:animEffect>
-                                  </p:childTnLst>
-                                </p:cTn>
-                              </p:par>
-                              <p:par>
-                                <p:cTn id="23" presetID="10" presetClass="entr" presetSubtype="0" fill="hold" nodeType="withEffect">
-                                  <p:stCondLst>
-                                    <p:cond delay="0"/>
-                                  </p:stCondLst>
-                                  <p:childTnLst>
-                                    <p:set>
-                                      <p:cBhvr>
-                                        <p:cTn id="24" dur="1" fill="hold">
-                                          <p:stCondLst>
-                                            <p:cond delay="0"/>
-                                          </p:stCondLst>
-                                        </p:cTn>
-                                        <p:tgtEl>
-                                          <p:spTgt spid="3">
-                                            <p:txEl>
-                                              <p:pRg st="6" end="6"/>
-                                            </p:txEl>
-                                          </p:spTgt>
-                                        </p:tgtEl>
-                                        <p:attrNameLst>
-                                          <p:attrName>style.visibility</p:attrName>
-                                        </p:attrNameLst>
-                                      </p:cBhvr>
-                                      <p:to>
-                                        <p:strVal val="visible"/>
-                                      </p:to>
-                                    </p:set>
-                                    <p:animEffect transition="in" filter="fade">
-                                      <p:cBhvr>
-                                        <p:cTn id="25" dur="500"/>
-                                        <p:tgtEl>
-                                          <p:spTgt spid="3">
-                                            <p:txEl>
-                                              <p:pRg st="6" end="6"/>
-                                            </p:txEl>
-                                          </p:spTgt>
-                                        </p:tgtEl>
-                                      </p:cBhvr>
-                                    </p:animEffect>
-                                  </p:childTnLst>
-                                </p:cTn>
-                              </p:par>
-                            </p:childTnLst>
-                          </p:cTn>
-                        </p:par>
-                      </p:childTnLst>
-                    </p:cTn>
-                  </p:par>
-                </p:childTnLst>
-              </p:cTn>
-              <p:prevCondLst>
-                <p:cond evt="onPrev" delay="0">
-                  <p:tgtEl>
-                    <p:sldTgt/>
-                  </p:tgtEl>
-                </p:cond>
-              </p:prevCondLst>
-              <p:nextCondLst>
-                <p:cond evt="onNext" delay="0">
-                  <p:tgtEl>
-                    <p:sldTgt/>
-                  </p:tgtEl>
-                </p:cond>
-              </p:nextCondLst>
-            </p:seq>
-          </p:childTnLst>
-        </p:cTn>
-      </p:par>
-    </p:tnLst>
-  </p:timing>
 </p:sld>
 </file>
 
@@ -5916,222 +5555,6 @@
   <p:clrMapOvr>
     <a:masterClrMapping/>
   </p:clrMapOvr>
-  <p:timing>
-    <p:tnLst>
-      <p:par>
-        <p:cTn id="1" dur="indefinite" restart="never" nodeType="tmRoot">
-          <p:childTnLst>
-            <p:seq concurrent="1" nextAc="seek">
-              <p:cTn id="2" dur="indefinite" nodeType="mainSeq">
-                <p:childTnLst>
-                  <p:par>
-                    <p:cTn id="3" fill="hold">
-                      <p:stCondLst>
-                        <p:cond delay="indefinite"/>
-                      </p:stCondLst>
-                      <p:childTnLst>
-                        <p:par>
-                          <p:cTn id="4" fill="hold">
-                            <p:stCondLst>
-                              <p:cond delay="0"/>
-                            </p:stCondLst>
-                            <p:childTnLst>
-                              <p:par>
-                                <p:cTn id="5" presetID="10" presetClass="entr" presetSubtype="0" fill="hold" grpId="0" nodeType="clickEffect">
-                                  <p:stCondLst>
-                                    <p:cond delay="0"/>
-                                  </p:stCondLst>
-                                  <p:childTnLst>
-                                    <p:set>
-                                      <p:cBhvr>
-                                        <p:cTn id="6" dur="1" fill="hold">
-                                          <p:stCondLst>
-                                            <p:cond delay="0"/>
-                                          </p:stCondLst>
-                                        </p:cTn>
-                                        <p:tgtEl>
-                                          <p:spTgt spid="3">
-                                            <p:txEl>
-                                              <p:pRg st="0" end="0"/>
-                                            </p:txEl>
-                                          </p:spTgt>
-                                        </p:tgtEl>
-                                        <p:attrNameLst>
-                                          <p:attrName>style.visibility</p:attrName>
-                                        </p:attrNameLst>
-                                      </p:cBhvr>
-                                      <p:to>
-                                        <p:strVal val="visible"/>
-                                      </p:to>
-                                    </p:set>
-                                    <p:animEffect transition="in" filter="fade">
-                                      <p:cBhvr>
-                                        <p:cTn id="7" dur="500"/>
-                                        <p:tgtEl>
-                                          <p:spTgt spid="3">
-                                            <p:txEl>
-                                              <p:pRg st="0" end="0"/>
-                                            </p:txEl>
-                                          </p:spTgt>
-                                        </p:tgtEl>
-                                      </p:cBhvr>
-                                    </p:animEffect>
-                                  </p:childTnLst>
-                                </p:cTn>
-                              </p:par>
-                            </p:childTnLst>
-                          </p:cTn>
-                        </p:par>
-                      </p:childTnLst>
-                    </p:cTn>
-                  </p:par>
-                  <p:par>
-                    <p:cTn id="8" fill="hold">
-                      <p:stCondLst>
-                        <p:cond delay="indefinite"/>
-                      </p:stCondLst>
-                      <p:childTnLst>
-                        <p:par>
-                          <p:cTn id="9" fill="hold">
-                            <p:stCondLst>
-                              <p:cond delay="0"/>
-                            </p:stCondLst>
-                            <p:childTnLst>
-                              <p:par>
-                                <p:cTn id="10" presetID="10" presetClass="entr" presetSubtype="0" fill="hold" grpId="0" nodeType="clickEffect">
-                                  <p:stCondLst>
-                                    <p:cond delay="0"/>
-                                  </p:stCondLst>
-                                  <p:childTnLst>
-                                    <p:set>
-                                      <p:cBhvr>
-                                        <p:cTn id="11" dur="1" fill="hold">
-                                          <p:stCondLst>
-                                            <p:cond delay="0"/>
-                                          </p:stCondLst>
-                                        </p:cTn>
-                                        <p:tgtEl>
-                                          <p:spTgt spid="3">
-                                            <p:txEl>
-                                              <p:pRg st="1" end="1"/>
-                                            </p:txEl>
-                                          </p:spTgt>
-                                        </p:tgtEl>
-                                        <p:attrNameLst>
-                                          <p:attrName>style.visibility</p:attrName>
-                                        </p:attrNameLst>
-                                      </p:cBhvr>
-                                      <p:to>
-                                        <p:strVal val="visible"/>
-                                      </p:to>
-                                    </p:set>
-                                    <p:animEffect transition="in" filter="fade">
-                                      <p:cBhvr>
-                                        <p:cTn id="12" dur="500"/>
-                                        <p:tgtEl>
-                                          <p:spTgt spid="3">
-                                            <p:txEl>
-                                              <p:pRg st="1" end="1"/>
-                                            </p:txEl>
-                                          </p:spTgt>
-                                        </p:tgtEl>
-                                      </p:cBhvr>
-                                    </p:animEffect>
-                                  </p:childTnLst>
-                                </p:cTn>
-                              </p:par>
-                            </p:childTnLst>
-                          </p:cTn>
-                        </p:par>
-                      </p:childTnLst>
-                    </p:cTn>
-                  </p:par>
-                  <p:par>
-                    <p:cTn id="13" fill="hold">
-                      <p:stCondLst>
-                        <p:cond delay="indefinite"/>
-                      </p:stCondLst>
-                      <p:childTnLst>
-                        <p:par>
-                          <p:cTn id="14" fill="hold">
-                            <p:stCondLst>
-                              <p:cond delay="0"/>
-                            </p:stCondLst>
-                            <p:childTnLst>
-                              <p:par>
-                                <p:cTn id="15" presetID="10" presetClass="entr" presetSubtype="0" fill="hold" grpId="0" nodeType="clickEffect">
-                                  <p:stCondLst>
-                                    <p:cond delay="0"/>
-                                  </p:stCondLst>
-                                  <p:childTnLst>
-                                    <p:set>
-                                      <p:cBhvr>
-                                        <p:cTn id="16" dur="1" fill="hold">
-                                          <p:stCondLst>
-                                            <p:cond delay="0"/>
-                                          </p:stCondLst>
-                                        </p:cTn>
-                                        <p:tgtEl>
-                                          <p:spTgt spid="3">
-                                            <p:txEl>
-                                              <p:pRg st="2" end="2"/>
-                                            </p:txEl>
-                                          </p:spTgt>
-                                        </p:tgtEl>
-                                        <p:attrNameLst>
-                                          <p:attrName>style.visibility</p:attrName>
-                                        </p:attrNameLst>
-                                      </p:cBhvr>
-                                      <p:to>
-                                        <p:strVal val="visible"/>
-                                      </p:to>
-                                    </p:set>
-                                    <p:animEffect transition="in" filter="fade">
-                                      <p:cBhvr>
-                                        <p:cTn id="17" dur="500"/>
-                                        <p:tgtEl>
-                                          <p:spTgt spid="3">
-                                            <p:txEl>
-                                              <p:pRg st="2" end="2"/>
-                                            </p:txEl>
-                                          </p:spTgt>
-                                        </p:tgtEl>
-                                      </p:cBhvr>
-                                    </p:animEffect>
-                                  </p:childTnLst>
-                                </p:cTn>
-                              </p:par>
-                            </p:childTnLst>
-                          </p:cTn>
-                        </p:par>
-                      </p:childTnLst>
-                    </p:cTn>
-                  </p:par>
-                </p:childTnLst>
-              </p:cTn>
-              <p:prevCondLst>
-                <p:cond evt="onPrev" delay="0">
-                  <p:tgtEl>
-                    <p:sldTgt/>
-                  </p:tgtEl>
-                </p:cond>
-              </p:prevCondLst>
-              <p:nextCondLst>
-                <p:cond evt="onNext" delay="0">
-                  <p:tgtEl>
-                    <p:sldTgt/>
-                  </p:tgtEl>
-                </p:cond>
-              </p:nextCondLst>
-            </p:seq>
-          </p:childTnLst>
-        </p:cTn>
-      </p:par>
-    </p:tnLst>
-    <p:bldLst>
-      <p:bldP spid="3" grpId="0" build="p"/>
-    </p:bldLst>
-  </p:timing>
 </p:sld>
 </file>
 
@@ -6516,7 +5939,7 @@
             <a:endParaRPr lang="et-EE" dirty="0"/>
           </a:p>
           <a:p>
-            <a:endParaRPr lang="et-EE"/>
+            <a:endParaRPr lang="et-EE" dirty="0"/>
           </a:p>
           <a:p>
             <a:endParaRPr lang="et-EE" dirty="0"/>
